--- a/Aufgabe 1/A1 - Präsentation.pptx
+++ b/Aufgabe 1/A1 - Präsentation.pptx
@@ -2043,6 +2043,13 @@
         </dgm:presLayoutVars>
       </dgm:prSet>
       <dgm:spPr/>
+      <dgm:t>
+        <a:bodyPr/>
+        <a:lstStyle/>
+        <a:p>
+          <a:endParaRPr lang="de-DE"/>
+        </a:p>
+      </dgm:t>
     </dgm:pt>
     <dgm:pt modelId="{EE61AB90-E92B-4EB2-8F03-A8F06F603E92}" type="pres">
       <dgm:prSet presAssocID="{EE0521D3-32A6-40D0-B9F7-3BD89B366734}" presName="thickLine" presStyleLbl="alignNode1" presStyleIdx="0" presStyleCnt="2"/>
@@ -2055,6 +2062,13 @@
     <dgm:pt modelId="{0DCFD976-6459-479D-9ECF-23E6B1E7E91E}" type="pres">
       <dgm:prSet presAssocID="{EE0521D3-32A6-40D0-B9F7-3BD89B366734}" presName="tx1" presStyleLbl="revTx" presStyleIdx="0" presStyleCnt="2"/>
       <dgm:spPr/>
+      <dgm:t>
+        <a:bodyPr/>
+        <a:lstStyle/>
+        <a:p>
+          <a:endParaRPr lang="de-DE"/>
+        </a:p>
+      </dgm:t>
     </dgm:pt>
     <dgm:pt modelId="{D1E175F0-E6A3-4E15-9247-F2D2ED0D67CE}" type="pres">
       <dgm:prSet presAssocID="{EE0521D3-32A6-40D0-B9F7-3BD89B366734}" presName="vert1" presStyleCnt="0"/>
@@ -2071,6 +2085,13 @@
     <dgm:pt modelId="{DE1F7080-3EC5-4291-ACDE-825F6C49EF82}" type="pres">
       <dgm:prSet presAssocID="{14DCA121-961B-4318-9649-AF15483251AB}" presName="tx1" presStyleLbl="revTx" presStyleIdx="1" presStyleCnt="2"/>
       <dgm:spPr/>
+      <dgm:t>
+        <a:bodyPr/>
+        <a:lstStyle/>
+        <a:p>
+          <a:endParaRPr lang="de-DE"/>
+        </a:p>
+      </dgm:t>
     </dgm:pt>
     <dgm:pt modelId="{B1AFAC73-9FBE-41A7-8ADC-46CDAC3DA5BB}" type="pres">
       <dgm:prSet presAssocID="{14DCA121-961B-4318-9649-AF15483251AB}" presName="vert1" presStyleCnt="0"/>
@@ -2078,10 +2099,10 @@
     </dgm:pt>
   </dgm:ptLst>
   <dgm:cxnLst>
-    <dgm:cxn modelId="{9EE6DD30-2D3E-4DF6-B70A-9DE04F5F4A81}" type="presOf" srcId="{F5D4A7D6-4501-46B1-813A-81CDE0843214}" destId="{83DCB1CB-BF62-4971-A157-519F5464FB5A}" srcOrd="0" destOrd="0" presId="urn:microsoft.com/office/officeart/2008/layout/LinedList"/>
-    <dgm:cxn modelId="{11CA0E61-59AE-4222-9FD8-103672B579B7}" srcId="{F5D4A7D6-4501-46B1-813A-81CDE0843214}" destId="{14DCA121-961B-4318-9649-AF15483251AB}" srcOrd="1" destOrd="0" parTransId="{441AD133-10B1-4098-A3F6-FDDEEA0C5EE7}" sibTransId="{38530D35-6886-4D09-9F69-389498EA097F}"/>
     <dgm:cxn modelId="{4F699972-7C47-4C29-B2DC-D0EC62DA7A78}" type="presOf" srcId="{EE0521D3-32A6-40D0-B9F7-3BD89B366734}" destId="{0DCFD976-6459-479D-9ECF-23E6B1E7E91E}" srcOrd="0" destOrd="0" presId="urn:microsoft.com/office/officeart/2008/layout/LinedList"/>
     <dgm:cxn modelId="{75A45494-622B-4C33-BF60-0010F6489AD1}" srcId="{F5D4A7D6-4501-46B1-813A-81CDE0843214}" destId="{EE0521D3-32A6-40D0-B9F7-3BD89B366734}" srcOrd="0" destOrd="0" parTransId="{D8B1D6DA-EF2D-42AD-BB78-A9EC0C89BE1D}" sibTransId="{85F7DEDD-559A-4B96-BA34-1DCF1CC7A40D}"/>
+    <dgm:cxn modelId="{11CA0E61-59AE-4222-9FD8-103672B579B7}" srcId="{F5D4A7D6-4501-46B1-813A-81CDE0843214}" destId="{14DCA121-961B-4318-9649-AF15483251AB}" srcOrd="1" destOrd="0" parTransId="{441AD133-10B1-4098-A3F6-FDDEEA0C5EE7}" sibTransId="{38530D35-6886-4D09-9F69-389498EA097F}"/>
+    <dgm:cxn modelId="{9EE6DD30-2D3E-4DF6-B70A-9DE04F5F4A81}" type="presOf" srcId="{F5D4A7D6-4501-46B1-813A-81CDE0843214}" destId="{83DCB1CB-BF62-4971-A157-519F5464FB5A}" srcOrd="0" destOrd="0" presId="urn:microsoft.com/office/officeart/2008/layout/LinedList"/>
     <dgm:cxn modelId="{D985A9DE-ECFE-4D40-BA75-35AF20D8865D}" type="presOf" srcId="{14DCA121-961B-4318-9649-AF15483251AB}" destId="{DE1F7080-3EC5-4291-ACDE-825F6C49EF82}" srcOrd="0" destOrd="0" presId="urn:microsoft.com/office/officeart/2008/layout/LinedList"/>
     <dgm:cxn modelId="{9C9400F6-F3A2-4C36-B5C7-383749EA8CC6}" type="presParOf" srcId="{83DCB1CB-BF62-4971-A157-519F5464FB5A}" destId="{EE61AB90-E92B-4EB2-8F03-A8F06F603E92}" srcOrd="0" destOrd="0" presId="urn:microsoft.com/office/officeart/2008/layout/LinedList"/>
     <dgm:cxn modelId="{F3D8B952-FA70-41C3-9DF7-38E5E50DD4F9}" type="presParOf" srcId="{83DCB1CB-BF62-4971-A157-519F5464FB5A}" destId="{87EA499E-947A-4D56-AE24-95BD0568E02E}" srcOrd="1" destOrd="0" presId="urn:microsoft.com/office/officeart/2008/layout/LinedList"/>
@@ -2110,228 +2131,6 @@
       <dsp:cNvGrpSpPr/>
     </dsp:nvGrpSpPr>
     <dsp:grpSpPr/>
-    <dsp:sp modelId="{EE61AB90-E92B-4EB2-8F03-A8F06F603E92}">
-      <dsp:nvSpPr>
-        <dsp:cNvPr id="0" name=""/>
-        <dsp:cNvSpPr/>
-      </dsp:nvSpPr>
-      <dsp:spPr>
-        <a:xfrm>
-          <a:off x="0" y="0"/>
-          <a:ext cx="5181600" cy="0"/>
-        </a:xfrm>
-        <a:prstGeom prst="line">
-          <a:avLst/>
-        </a:prstGeom>
-        <a:solidFill>
-          <a:schemeClr val="accent1">
-            <a:hueOff val="0"/>
-            <a:satOff val="0"/>
-            <a:lumOff val="0"/>
-            <a:alphaOff val="0"/>
-          </a:schemeClr>
-        </a:solidFill>
-        <a:ln w="12700" cap="flat" cmpd="sng" algn="ctr">
-          <a:solidFill>
-            <a:schemeClr val="accent1">
-              <a:hueOff val="0"/>
-              <a:satOff val="0"/>
-              <a:lumOff val="0"/>
-              <a:alphaOff val="0"/>
-            </a:schemeClr>
-          </a:solidFill>
-          <a:prstDash val="solid"/>
-          <a:miter lim="800000"/>
-        </a:ln>
-        <a:effectLst/>
-      </dsp:spPr>
-      <dsp:style>
-        <a:lnRef idx="2">
-          <a:scrgbClr r="0" g="0" b="0"/>
-        </a:lnRef>
-        <a:fillRef idx="1">
-          <a:scrgbClr r="0" g="0" b="0"/>
-        </a:fillRef>
-        <a:effectRef idx="0">
-          <a:scrgbClr r="0" g="0" b="0"/>
-        </a:effectRef>
-        <a:fontRef idx="minor">
-          <a:schemeClr val="lt1"/>
-        </a:fontRef>
-      </dsp:style>
-    </dsp:sp>
-    <dsp:sp modelId="{0DCFD976-6459-479D-9ECF-23E6B1E7E91E}">
-      <dsp:nvSpPr>
-        <dsp:cNvPr id="0" name=""/>
-        <dsp:cNvSpPr/>
-      </dsp:nvSpPr>
-      <dsp:spPr>
-        <a:xfrm>
-          <a:off x="0" y="0"/>
-          <a:ext cx="5181600" cy="2175669"/>
-        </a:xfrm>
-        <a:prstGeom prst="rect">
-          <a:avLst/>
-        </a:prstGeom>
-        <a:noFill/>
-        <a:ln>
-          <a:noFill/>
-        </a:ln>
-        <a:effectLst/>
-      </dsp:spPr>
-      <dsp:style>
-        <a:lnRef idx="0">
-          <a:scrgbClr r="0" g="0" b="0"/>
-        </a:lnRef>
-        <a:fillRef idx="0">
-          <a:scrgbClr r="0" g="0" b="0"/>
-        </a:fillRef>
-        <a:effectRef idx="0">
-          <a:scrgbClr r="0" g="0" b="0"/>
-        </a:effectRef>
-        <a:fontRef idx="minor"/>
-      </dsp:style>
-      <dsp:txBody>
-        <a:bodyPr spcFirstLastPara="0" vert="horz" wrap="square" lIns="106680" tIns="106680" rIns="106680" bIns="106680" numCol="1" spcCol="1270" anchor="t" anchorCtr="0">
-          <a:noAutofit/>
-        </a:bodyPr>
-        <a:lstStyle/>
-        <a:p>
-          <a:pPr marL="0" lvl="0" indent="0" algn="l" defTabSz="1244600">
-            <a:lnSpc>
-              <a:spcPct val="90000"/>
-            </a:lnSpc>
-            <a:spcBef>
-              <a:spcPct val="0"/>
-            </a:spcBef>
-            <a:spcAft>
-              <a:spcPct val="35000"/>
-            </a:spcAft>
-            <a:buNone/>
-          </a:pPr>
-          <a:r>
-            <a:rPr lang="de-DE" sz="2800" kern="1200"/>
-            <a:t>Nimmt sich das beste 3tel oder was auch immer bei FitnessThreshold definiert wird</a:t>
-          </a:r>
-          <a:endParaRPr lang="en-US" sz="2800" kern="1200"/>
-        </a:p>
-      </dsp:txBody>
-      <dsp:txXfrm>
-        <a:off x="0" y="0"/>
-        <a:ext cx="5181600" cy="2175669"/>
-      </dsp:txXfrm>
-    </dsp:sp>
-    <dsp:sp modelId="{F2F80FE3-825D-456C-AE20-946CF92DF640}">
-      <dsp:nvSpPr>
-        <dsp:cNvPr id="0" name=""/>
-        <dsp:cNvSpPr/>
-      </dsp:nvSpPr>
-      <dsp:spPr>
-        <a:xfrm>
-          <a:off x="0" y="2175669"/>
-          <a:ext cx="5181600" cy="0"/>
-        </a:xfrm>
-        <a:prstGeom prst="line">
-          <a:avLst/>
-        </a:prstGeom>
-        <a:solidFill>
-          <a:schemeClr val="accent1">
-            <a:hueOff val="0"/>
-            <a:satOff val="0"/>
-            <a:lumOff val="0"/>
-            <a:alphaOff val="0"/>
-          </a:schemeClr>
-        </a:solidFill>
-        <a:ln w="12700" cap="flat" cmpd="sng" algn="ctr">
-          <a:solidFill>
-            <a:schemeClr val="accent1">
-              <a:hueOff val="0"/>
-              <a:satOff val="0"/>
-              <a:lumOff val="0"/>
-              <a:alphaOff val="0"/>
-            </a:schemeClr>
-          </a:solidFill>
-          <a:prstDash val="solid"/>
-          <a:miter lim="800000"/>
-        </a:ln>
-        <a:effectLst/>
-      </dsp:spPr>
-      <dsp:style>
-        <a:lnRef idx="2">
-          <a:scrgbClr r="0" g="0" b="0"/>
-        </a:lnRef>
-        <a:fillRef idx="1">
-          <a:scrgbClr r="0" g="0" b="0"/>
-        </a:fillRef>
-        <a:effectRef idx="0">
-          <a:scrgbClr r="0" g="0" b="0"/>
-        </a:effectRef>
-        <a:fontRef idx="minor">
-          <a:schemeClr val="lt1"/>
-        </a:fontRef>
-      </dsp:style>
-    </dsp:sp>
-    <dsp:sp modelId="{DE1F7080-3EC5-4291-ACDE-825F6C49EF82}">
-      <dsp:nvSpPr>
-        <dsp:cNvPr id="0" name=""/>
-        <dsp:cNvSpPr/>
-      </dsp:nvSpPr>
-      <dsp:spPr>
-        <a:xfrm>
-          <a:off x="0" y="2175669"/>
-          <a:ext cx="5181600" cy="2175669"/>
-        </a:xfrm>
-        <a:prstGeom prst="rect">
-          <a:avLst/>
-        </a:prstGeom>
-        <a:noFill/>
-        <a:ln>
-          <a:noFill/>
-        </a:ln>
-        <a:effectLst/>
-      </dsp:spPr>
-      <dsp:style>
-        <a:lnRef idx="0">
-          <a:scrgbClr r="0" g="0" b="0"/>
-        </a:lnRef>
-        <a:fillRef idx="0">
-          <a:scrgbClr r="0" g="0" b="0"/>
-        </a:fillRef>
-        <a:effectRef idx="0">
-          <a:scrgbClr r="0" g="0" b="0"/>
-        </a:effectRef>
-        <a:fontRef idx="minor"/>
-      </dsp:style>
-      <dsp:txBody>
-        <a:bodyPr spcFirstLastPara="0" vert="horz" wrap="square" lIns="106680" tIns="106680" rIns="106680" bIns="106680" numCol="1" spcCol="1270" anchor="t" anchorCtr="0">
-          <a:noAutofit/>
-        </a:bodyPr>
-        <a:lstStyle/>
-        <a:p>
-          <a:pPr marL="0" lvl="0" indent="0" algn="l" defTabSz="1244600">
-            <a:lnSpc>
-              <a:spcPct val="90000"/>
-            </a:lnSpc>
-            <a:spcBef>
-              <a:spcPct val="0"/>
-            </a:spcBef>
-            <a:spcAft>
-              <a:spcPct val="35000"/>
-            </a:spcAft>
-            <a:buNone/>
-          </a:pPr>
-          <a:r>
-            <a:rPr lang="de-DE" sz="2800" kern="1200"/>
-            <a:t>Füllt die Nächste Generation mithilfe des WeaveRecombinators und den Individuen aus der parent generation auf</a:t>
-          </a:r>
-          <a:endParaRPr lang="en-US" sz="2800" kern="1200"/>
-        </a:p>
-      </dsp:txBody>
-      <dsp:txXfrm>
-        <a:off x="0" y="2175669"/>
-        <a:ext cx="5181600" cy="2175669"/>
-      </dsp:txXfrm>
-    </dsp:sp>
   </dsp:spTree>
 </dsp:drawing>
 </file>
@@ -3965,7 +3764,7 @@
           <a:p>
             <a:fld id="{846CE7D5-CF57-46EF-B807-FDD0502418D4}" type="datetimeFigureOut">
               <a:rPr lang="en-US" smtClean="0"/>
-              <a:t>11/1/2021</a:t>
+              <a:t>11/4/2021</a:t>
             </a:fld>
             <a:endParaRPr lang="en-US"/>
           </a:p>
@@ -4007,7 +3806,7 @@
           <a:p>
             <a:fld id="{330EA680-D336-4FF7-8B7A-9848BB0A1C32}" type="slidenum">
               <a:rPr lang="en-US" smtClean="0"/>
-              <a:t>‹#›</a:t>
+              <a:t>‹Nr.›</a:t>
             </a:fld>
             <a:endParaRPr lang="en-US"/>
           </a:p>
@@ -4133,7 +3932,7 @@
           <a:p>
             <a:fld id="{846CE7D5-CF57-46EF-B807-FDD0502418D4}" type="datetimeFigureOut">
               <a:rPr lang="en-US" smtClean="0"/>
-              <a:t>11/1/2021</a:t>
+              <a:t>11/4/2021</a:t>
             </a:fld>
             <a:endParaRPr lang="en-US"/>
           </a:p>
@@ -4175,7 +3974,7 @@
           <a:p>
             <a:fld id="{330EA680-D336-4FF7-8B7A-9848BB0A1C32}" type="slidenum">
               <a:rPr lang="en-US" smtClean="0"/>
-              <a:t>‹#›</a:t>
+              <a:t>‹Nr.›</a:t>
             </a:fld>
             <a:endParaRPr lang="en-US"/>
           </a:p>
@@ -4311,7 +4110,7 @@
           <a:p>
             <a:fld id="{846CE7D5-CF57-46EF-B807-FDD0502418D4}" type="datetimeFigureOut">
               <a:rPr lang="en-US" smtClean="0"/>
-              <a:t>11/1/2021</a:t>
+              <a:t>11/4/2021</a:t>
             </a:fld>
             <a:endParaRPr lang="en-US"/>
           </a:p>
@@ -4353,7 +4152,7 @@
           <a:p>
             <a:fld id="{330EA680-D336-4FF7-8B7A-9848BB0A1C32}" type="slidenum">
               <a:rPr lang="en-US" smtClean="0"/>
-              <a:t>‹#›</a:t>
+              <a:t>‹Nr.›</a:t>
             </a:fld>
             <a:endParaRPr lang="en-US"/>
           </a:p>
@@ -4479,7 +4278,7 @@
           <a:p>
             <a:fld id="{846CE7D5-CF57-46EF-B807-FDD0502418D4}" type="datetimeFigureOut">
               <a:rPr lang="en-US" smtClean="0"/>
-              <a:t>11/1/2021</a:t>
+              <a:t>11/4/2021</a:t>
             </a:fld>
             <a:endParaRPr lang="en-US"/>
           </a:p>
@@ -4521,7 +4320,7 @@
           <a:p>
             <a:fld id="{330EA680-D336-4FF7-8B7A-9848BB0A1C32}" type="slidenum">
               <a:rPr lang="en-US" smtClean="0"/>
-              <a:t>‹#›</a:t>
+              <a:t>‹Nr.›</a:t>
             </a:fld>
             <a:endParaRPr lang="en-US"/>
           </a:p>
@@ -4724,7 +4523,7 @@
           <a:p>
             <a:fld id="{846CE7D5-CF57-46EF-B807-FDD0502418D4}" type="datetimeFigureOut">
               <a:rPr lang="en-US" smtClean="0"/>
-              <a:t>11/1/2021</a:t>
+              <a:t>11/4/2021</a:t>
             </a:fld>
             <a:endParaRPr lang="en-US"/>
           </a:p>
@@ -4766,7 +4565,7 @@
           <a:p>
             <a:fld id="{330EA680-D336-4FF7-8B7A-9848BB0A1C32}" type="slidenum">
               <a:rPr lang="en-US" smtClean="0"/>
-              <a:t>‹#›</a:t>
+              <a:t>‹Nr.›</a:t>
             </a:fld>
             <a:endParaRPr lang="en-US"/>
           </a:p>
@@ -4953,7 +4752,7 @@
           <a:p>
             <a:fld id="{846CE7D5-CF57-46EF-B807-FDD0502418D4}" type="datetimeFigureOut">
               <a:rPr lang="en-US" smtClean="0"/>
-              <a:t>11/1/2021</a:t>
+              <a:t>11/4/2021</a:t>
             </a:fld>
             <a:endParaRPr lang="en-US"/>
           </a:p>
@@ -4995,7 +4794,7 @@
           <a:p>
             <a:fld id="{330EA680-D336-4FF7-8B7A-9848BB0A1C32}" type="slidenum">
               <a:rPr lang="en-US" smtClean="0"/>
-              <a:t>‹#›</a:t>
+              <a:t>‹Nr.›</a:t>
             </a:fld>
             <a:endParaRPr lang="en-US"/>
           </a:p>
@@ -5317,7 +5116,7 @@
           <a:p>
             <a:fld id="{846CE7D5-CF57-46EF-B807-FDD0502418D4}" type="datetimeFigureOut">
               <a:rPr lang="en-US" smtClean="0"/>
-              <a:t>11/1/2021</a:t>
+              <a:t>11/4/2021</a:t>
             </a:fld>
             <a:endParaRPr lang="en-US"/>
           </a:p>
@@ -5359,7 +5158,7 @@
           <a:p>
             <a:fld id="{330EA680-D336-4FF7-8B7A-9848BB0A1C32}" type="slidenum">
               <a:rPr lang="en-US" smtClean="0"/>
-              <a:t>‹#›</a:t>
+              <a:t>‹Nr.›</a:t>
             </a:fld>
             <a:endParaRPr lang="en-US"/>
           </a:p>
@@ -5434,7 +5233,7 @@
           <a:p>
             <a:fld id="{846CE7D5-CF57-46EF-B807-FDD0502418D4}" type="datetimeFigureOut">
               <a:rPr lang="en-US" smtClean="0"/>
-              <a:t>11/1/2021</a:t>
+              <a:t>11/4/2021</a:t>
             </a:fld>
             <a:endParaRPr lang="en-US"/>
           </a:p>
@@ -5476,7 +5275,7 @@
           <a:p>
             <a:fld id="{330EA680-D336-4FF7-8B7A-9848BB0A1C32}" type="slidenum">
               <a:rPr lang="en-US" smtClean="0"/>
-              <a:t>‹#›</a:t>
+              <a:t>‹Nr.›</a:t>
             </a:fld>
             <a:endParaRPr lang="en-US"/>
           </a:p>
@@ -5529,7 +5328,7 @@
           <a:p>
             <a:fld id="{846CE7D5-CF57-46EF-B807-FDD0502418D4}" type="datetimeFigureOut">
               <a:rPr lang="en-US" smtClean="0"/>
-              <a:t>11/1/2021</a:t>
+              <a:t>11/4/2021</a:t>
             </a:fld>
             <a:endParaRPr lang="en-US"/>
           </a:p>
@@ -5571,7 +5370,7 @@
           <a:p>
             <a:fld id="{330EA680-D336-4FF7-8B7A-9848BB0A1C32}" type="slidenum">
               <a:rPr lang="en-US" smtClean="0"/>
-              <a:t>‹#›</a:t>
+              <a:t>‹Nr.›</a:t>
             </a:fld>
             <a:endParaRPr lang="en-US"/>
           </a:p>
@@ -5804,7 +5603,7 @@
           <a:p>
             <a:fld id="{846CE7D5-CF57-46EF-B807-FDD0502418D4}" type="datetimeFigureOut">
               <a:rPr lang="en-US" smtClean="0"/>
-              <a:t>11/1/2021</a:t>
+              <a:t>11/4/2021</a:t>
             </a:fld>
             <a:endParaRPr lang="en-US"/>
           </a:p>
@@ -5846,7 +5645,7 @@
           <a:p>
             <a:fld id="{330EA680-D336-4FF7-8B7A-9848BB0A1C32}" type="slidenum">
               <a:rPr lang="en-US" smtClean="0"/>
-              <a:t>‹#›</a:t>
+              <a:t>‹Nr.›</a:t>
             </a:fld>
             <a:endParaRPr lang="en-US"/>
           </a:p>
@@ -6059,7 +5858,7 @@
           <a:p>
             <a:fld id="{846CE7D5-CF57-46EF-B807-FDD0502418D4}" type="datetimeFigureOut">
               <a:rPr lang="en-US" smtClean="0"/>
-              <a:t>11/1/2021</a:t>
+              <a:t>11/4/2021</a:t>
             </a:fld>
             <a:endParaRPr lang="en-US"/>
           </a:p>
@@ -6101,7 +5900,7 @@
           <a:p>
             <a:fld id="{330EA680-D336-4FF7-8B7A-9848BB0A1C32}" type="slidenum">
               <a:rPr lang="en-US" smtClean="0"/>
-              <a:t>‹#›</a:t>
+              <a:t>‹Nr.›</a:t>
             </a:fld>
             <a:endParaRPr lang="en-US"/>
           </a:p>
@@ -6270,7 +6069,7 @@
           <a:p>
             <a:fld id="{846CE7D5-CF57-46EF-B807-FDD0502418D4}" type="datetimeFigureOut">
               <a:rPr lang="en-US" smtClean="0"/>
-              <a:t>11/1/2021</a:t>
+              <a:t>11/4/2021</a:t>
             </a:fld>
             <a:endParaRPr lang="en-US"/>
           </a:p>
@@ -6348,7 +6147,7 @@
           <a:p>
             <a:fld id="{330EA680-D336-4FF7-8B7A-9848BB0A1C32}" type="slidenum">
               <a:rPr lang="en-US" smtClean="0"/>
-              <a:t>‹#›</a:t>
+              <a:t>‹Nr.›</a:t>
             </a:fld>
             <a:endParaRPr lang="en-US"/>
           </a:p>
@@ -6688,10 +6487,10 @@
           <p:cNvPr id="8" name="Rectangle 7">
             <a:extLst>
               <a:ext uri="{FF2B5EF4-FFF2-40B4-BE49-F238E27FC236}">
-                <a16:creationId xmlns:a16="http://schemas.microsoft.com/office/drawing/2014/main" id="{B95B9BA8-1D69-4796-85F5-B6D0BD52354B}"/>
+                <a16:creationId xmlns:a16="http://schemas.microsoft.com/office/drawing/2014/main" xmlns="" id="{B95B9BA8-1D69-4796-85F5-B6D0BD52354B}"/>
               </a:ext>
               <a:ext uri="{C183D7F6-B498-43B3-948B-1728B52AA6E4}">
-                <adec:decorative xmlns:adec="http://schemas.microsoft.com/office/drawing/2017/decorative" val="1"/>
+                <adec:decorative xmlns:adec="http://schemas.microsoft.com/office/drawing/2017/decorative" xmlns="" val="1"/>
               </a:ext>
             </a:extLst>
           </p:cNvPr>
@@ -6701,7 +6500,7 @@
           <p:nvPr>
             <p:extLst>
               <p:ext uri="{386F3935-93C4-4BCD-93E2-E3B085C9AB24}">
-                <p16:designElem xmlns:p16="http://schemas.microsoft.com/office/powerpoint/2015/main" val="1"/>
+                <p16:designElem xmlns:p16="http://schemas.microsoft.com/office/powerpoint/2015/main" xmlns="" val="1"/>
               </p:ext>
             </p:extLst>
           </p:nvPr>
@@ -6996,10 +6795,10 @@
           <p:cNvPr id="10" name="Group 9">
             <a:extLst>
               <a:ext uri="{FF2B5EF4-FFF2-40B4-BE49-F238E27FC236}">
-                <a16:creationId xmlns:a16="http://schemas.microsoft.com/office/drawing/2014/main" id="{4728F330-19FB-4D39-BD0F-53032ABFEB7F}"/>
+                <a16:creationId xmlns:a16="http://schemas.microsoft.com/office/drawing/2014/main" xmlns="" id="{4728F330-19FB-4D39-BD0F-53032ABFEB7F}"/>
               </a:ext>
               <a:ext uri="{C183D7F6-B498-43B3-948B-1728B52AA6E4}">
-                <adec:decorative xmlns:adec="http://schemas.microsoft.com/office/drawing/2017/decorative" val="1"/>
+                <adec:decorative xmlns:adec="http://schemas.microsoft.com/office/drawing/2017/decorative" xmlns="" val="1"/>
               </a:ext>
             </a:extLst>
           </p:cNvPr>
@@ -7009,7 +6808,7 @@
           <p:nvPr>
             <p:extLst>
               <p:ext uri="{386F3935-93C4-4BCD-93E2-E3B085C9AB24}">
-                <p16:designElem xmlns:p16="http://schemas.microsoft.com/office/powerpoint/2015/main" val="1"/>
+                <p16:designElem xmlns:p16="http://schemas.microsoft.com/office/powerpoint/2015/main" xmlns="" val="1"/>
               </p:ext>
             </p:extLst>
           </p:nvPr>
@@ -7034,10 +6833,10 @@
             <p:cNvPr id="11" name="Freeform: Shape 10">
               <a:extLst>
                 <a:ext uri="{FF2B5EF4-FFF2-40B4-BE49-F238E27FC236}">
-                  <a16:creationId xmlns:a16="http://schemas.microsoft.com/office/drawing/2014/main" id="{30220D63-6F38-42F9-8AAD-3B1363A4FAE4}"/>
+                  <a16:creationId xmlns:a16="http://schemas.microsoft.com/office/drawing/2014/main" xmlns="" id="{30220D63-6F38-42F9-8AAD-3B1363A4FAE4}"/>
                 </a:ext>
                 <a:ext uri="{C183D7F6-B498-43B3-948B-1728B52AA6E4}">
-                  <adec:decorative xmlns:adec="http://schemas.microsoft.com/office/drawing/2017/decorative" val="1"/>
+                  <adec:decorative xmlns:adec="http://schemas.microsoft.com/office/drawing/2017/decorative" xmlns="" val="1"/>
                 </a:ext>
               </a:extLst>
             </p:cNvPr>
@@ -7045,7 +6844,7 @@
             <p:nvPr>
               <p:extLst>
                 <p:ext uri="{386F3935-93C4-4BCD-93E2-E3B085C9AB24}">
-                  <p16:designElem xmlns:p16="http://schemas.microsoft.com/office/powerpoint/2015/main" val="1"/>
+                  <p16:designElem xmlns:p16="http://schemas.microsoft.com/office/powerpoint/2015/main" xmlns="" val="1"/>
                 </p:ext>
               </p:extLst>
             </p:nvPr>
@@ -7721,10 +7520,10 @@
             <p:cNvPr id="12" name="Freeform: Shape 11">
               <a:extLst>
                 <a:ext uri="{FF2B5EF4-FFF2-40B4-BE49-F238E27FC236}">
-                  <a16:creationId xmlns:a16="http://schemas.microsoft.com/office/drawing/2014/main" id="{97B054CB-4DA3-4EDD-B196-A5DDD1E4E6D6}"/>
+                  <a16:creationId xmlns:a16="http://schemas.microsoft.com/office/drawing/2014/main" xmlns="" id="{97B054CB-4DA3-4EDD-B196-A5DDD1E4E6D6}"/>
                 </a:ext>
                 <a:ext uri="{C183D7F6-B498-43B3-948B-1728B52AA6E4}">
-                  <adec:decorative xmlns:adec="http://schemas.microsoft.com/office/drawing/2017/decorative" val="1"/>
+                  <adec:decorative xmlns:adec="http://schemas.microsoft.com/office/drawing/2017/decorative" xmlns="" val="1"/>
                 </a:ext>
               </a:extLst>
             </p:cNvPr>
@@ -7732,7 +7531,7 @@
             <p:nvPr>
               <p:extLst>
                 <p:ext uri="{386F3935-93C4-4BCD-93E2-E3B085C9AB24}">
-                  <p16:designElem xmlns:p16="http://schemas.microsoft.com/office/powerpoint/2015/main" val="1"/>
+                  <p16:designElem xmlns:p16="http://schemas.microsoft.com/office/powerpoint/2015/main" xmlns="" val="1"/>
                 </p:ext>
               </p:extLst>
             </p:nvPr>
@@ -8442,7 +8241,7 @@
           <p:cNvPr id="2" name="Titel 1">
             <a:extLst>
               <a:ext uri="{FF2B5EF4-FFF2-40B4-BE49-F238E27FC236}">
-                <a16:creationId xmlns:a16="http://schemas.microsoft.com/office/drawing/2014/main" id="{7C25A1C1-A51B-435F-92DA-36C7AD3142C8}"/>
+                <a16:creationId xmlns:a16="http://schemas.microsoft.com/office/drawing/2014/main" xmlns="" id="{7C25A1C1-A51B-435F-92DA-36C7AD3142C8}"/>
               </a:ext>
             </a:extLst>
           </p:cNvPr>
@@ -8473,7 +8272,7 @@
           <p:cNvPr id="5" name="Grafik 5">
             <a:extLst>
               <a:ext uri="{FF2B5EF4-FFF2-40B4-BE49-F238E27FC236}">
-                <a16:creationId xmlns:a16="http://schemas.microsoft.com/office/drawing/2014/main" id="{16856237-7E26-40A3-8519-D43EA26B4BD4}"/>
+                <a16:creationId xmlns:a16="http://schemas.microsoft.com/office/drawing/2014/main" xmlns="" id="{16856237-7E26-40A3-8519-D43EA26B4BD4}"/>
               </a:ext>
             </a:extLst>
           </p:cNvPr>
@@ -8532,7 +8331,7 @@
           <p:cNvPr id="2" name="Titel 1">
             <a:extLst>
               <a:ext uri="{FF2B5EF4-FFF2-40B4-BE49-F238E27FC236}">
-                <a16:creationId xmlns:a16="http://schemas.microsoft.com/office/drawing/2014/main" id="{3A41B3EB-159B-450B-A079-0542C8F07728}"/>
+                <a16:creationId xmlns:a16="http://schemas.microsoft.com/office/drawing/2014/main" xmlns="" id="{3A41B3EB-159B-450B-A079-0542C8F07728}"/>
               </a:ext>
             </a:extLst>
           </p:cNvPr>
@@ -8607,10 +8406,10 @@
           <p:cNvPr id="10" name="Down Arrow 7">
             <a:extLst>
               <a:ext uri="{FF2B5EF4-FFF2-40B4-BE49-F238E27FC236}">
-                <a16:creationId xmlns:a16="http://schemas.microsoft.com/office/drawing/2014/main" id="{73DE2CFE-42F2-48F0-8706-5264E012B10C}"/>
+                <a16:creationId xmlns:a16="http://schemas.microsoft.com/office/drawing/2014/main" xmlns="" id="{73DE2CFE-42F2-48F0-8706-5264E012B10C}"/>
               </a:ext>
               <a:ext uri="{C183D7F6-B498-43B3-948B-1728B52AA6E4}">
-                <adec:decorative xmlns:adec="http://schemas.microsoft.com/office/drawing/2017/decorative" val="1"/>
+                <adec:decorative xmlns:adec="http://schemas.microsoft.com/office/drawing/2017/decorative" xmlns="" val="1"/>
               </a:ext>
             </a:extLst>
           </p:cNvPr>
@@ -8620,7 +8419,7 @@
           <p:nvPr>
             <p:extLst>
               <p:ext uri="{386F3935-93C4-4BCD-93E2-E3B085C9AB24}">
-                <p16:designElem xmlns:p16="http://schemas.microsoft.com/office/powerpoint/2015/main" val="1"/>
+                <p16:designElem xmlns:p16="http://schemas.microsoft.com/office/powerpoint/2015/main" xmlns="" val="1"/>
               </p:ext>
             </p:extLst>
           </p:nvPr>
@@ -8702,7 +8501,7 @@
           <p:cNvPr id="2" name="Titel 1">
             <a:extLst>
               <a:ext uri="{FF2B5EF4-FFF2-40B4-BE49-F238E27FC236}">
-                <a16:creationId xmlns:a16="http://schemas.microsoft.com/office/drawing/2014/main" id="{2DD03D53-5F3E-4B18-9A8A-5B4588811A2D}"/>
+                <a16:creationId xmlns:a16="http://schemas.microsoft.com/office/drawing/2014/main" xmlns="" id="{2DD03D53-5F3E-4B18-9A8A-5B4588811A2D}"/>
               </a:ext>
             </a:extLst>
           </p:cNvPr>
@@ -8744,7 +8543,7 @@
           <p:cNvPr id="3" name="Inhaltsplatzhalter 2">
             <a:extLst>
               <a:ext uri="{FF2B5EF4-FFF2-40B4-BE49-F238E27FC236}">
-                <a16:creationId xmlns:a16="http://schemas.microsoft.com/office/drawing/2014/main" id="{139AFFFB-8A6C-4759-A1E0-273391614CB4}"/>
+                <a16:creationId xmlns:a16="http://schemas.microsoft.com/office/drawing/2014/main" xmlns="" id="{139AFFFB-8A6C-4759-A1E0-273391614CB4}"/>
               </a:ext>
             </a:extLst>
           </p:cNvPr>
@@ -8785,7 +8584,7 @@
           <p:cNvPr id="5" name="Grafik 5" descr="Ein Bild, das Text enthält.&#10;&#10;Beschreibung automatisch generiert.">
             <a:extLst>
               <a:ext uri="{FF2B5EF4-FFF2-40B4-BE49-F238E27FC236}">
-                <a16:creationId xmlns:a16="http://schemas.microsoft.com/office/drawing/2014/main" id="{BDFF6EA7-D209-401F-B836-FA91D070DD04}"/>
+                <a16:creationId xmlns:a16="http://schemas.microsoft.com/office/drawing/2014/main" xmlns="" id="{BDFF6EA7-D209-401F-B836-FA91D070DD04}"/>
               </a:ext>
             </a:extLst>
           </p:cNvPr>
@@ -8855,7 +8654,7 @@
           <p:cNvPr id="2" name="Titel 1">
             <a:extLst>
               <a:ext uri="{FF2B5EF4-FFF2-40B4-BE49-F238E27FC236}">
-                <a16:creationId xmlns:a16="http://schemas.microsoft.com/office/drawing/2014/main" id="{BB77A89D-94CF-49F5-978C-362F891E25B6}"/>
+                <a16:creationId xmlns:a16="http://schemas.microsoft.com/office/drawing/2014/main" xmlns="" id="{BB77A89D-94CF-49F5-978C-362F891E25B6}"/>
               </a:ext>
             </a:extLst>
           </p:cNvPr>
@@ -8890,7 +8689,7 @@
           <p:cNvPr id="5" name="Grafik 5" descr="Ein Bild, das Text enthält.&#10;&#10;Beschreibung automatisch generiert.">
             <a:extLst>
               <a:ext uri="{FF2B5EF4-FFF2-40B4-BE49-F238E27FC236}">
-                <a16:creationId xmlns:a16="http://schemas.microsoft.com/office/drawing/2014/main" id="{321F1D64-69D4-425F-8EF5-6DF21FD3AEB5}"/>
+                <a16:creationId xmlns:a16="http://schemas.microsoft.com/office/drawing/2014/main" xmlns="" id="{321F1D64-69D4-425F-8EF5-6DF21FD3AEB5}"/>
               </a:ext>
             </a:extLst>
           </p:cNvPr>
@@ -8950,7 +8749,7 @@
           <p:cNvPr id="4" name="Inhaltsplatzhalter 3">
             <a:extLst>
               <a:ext uri="{FF2B5EF4-FFF2-40B4-BE49-F238E27FC236}">
-                <a16:creationId xmlns:a16="http://schemas.microsoft.com/office/drawing/2014/main" id="{1C49F416-720C-4E43-BA69-27EAB9118B98}"/>
+                <a16:creationId xmlns:a16="http://schemas.microsoft.com/office/drawing/2014/main" xmlns="" id="{1C49F416-720C-4E43-BA69-27EAB9118B98}"/>
               </a:ext>
             </a:extLst>
           </p:cNvPr>
@@ -9041,10 +8840,10 @@
           <p:cNvPr id="10" name="Rectangle 9">
             <a:extLst>
               <a:ext uri="{FF2B5EF4-FFF2-40B4-BE49-F238E27FC236}">
-                <a16:creationId xmlns:a16="http://schemas.microsoft.com/office/drawing/2014/main" id="{C232B152-3720-4D3B-97ED-45CE5483F16F}"/>
+                <a16:creationId xmlns:a16="http://schemas.microsoft.com/office/drawing/2014/main" xmlns="" id="{C232B152-3720-4D3B-97ED-45CE5483F16F}"/>
               </a:ext>
               <a:ext uri="{C183D7F6-B498-43B3-948B-1728B52AA6E4}">
-                <adec:decorative xmlns:adec="http://schemas.microsoft.com/office/drawing/2017/decorative" val="1"/>
+                <adec:decorative xmlns:adec="http://schemas.microsoft.com/office/drawing/2017/decorative" xmlns="" val="1"/>
               </a:ext>
             </a:extLst>
           </p:cNvPr>
@@ -9054,7 +8853,7 @@
           <p:nvPr>
             <p:extLst>
               <p:ext uri="{386F3935-93C4-4BCD-93E2-E3B085C9AB24}">
-                <p16:designElem xmlns:p16="http://schemas.microsoft.com/office/powerpoint/2015/main" val="1"/>
+                <p16:designElem xmlns:p16="http://schemas.microsoft.com/office/powerpoint/2015/main" xmlns="" val="1"/>
               </p:ext>
             </p:extLst>
           </p:nvPr>
@@ -9104,10 +8903,10 @@
           <p:cNvPr id="12" name="Freeform: Shape 11">
             <a:extLst>
               <a:ext uri="{FF2B5EF4-FFF2-40B4-BE49-F238E27FC236}">
-                <a16:creationId xmlns:a16="http://schemas.microsoft.com/office/drawing/2014/main" id="{11BAB570-FF10-4E96-8A3F-FA9804702B89}"/>
+                <a16:creationId xmlns:a16="http://schemas.microsoft.com/office/drawing/2014/main" xmlns="" id="{11BAB570-FF10-4E96-8A3F-FA9804702B89}"/>
               </a:ext>
               <a:ext uri="{C183D7F6-B498-43B3-948B-1728B52AA6E4}">
-                <adec:decorative xmlns:adec="http://schemas.microsoft.com/office/drawing/2017/decorative" val="1"/>
+                <adec:decorative xmlns:adec="http://schemas.microsoft.com/office/drawing/2017/decorative" xmlns="" val="1"/>
               </a:ext>
             </a:extLst>
           </p:cNvPr>
@@ -9117,7 +8916,7 @@
           <p:nvPr>
             <p:extLst>
               <p:ext uri="{386F3935-93C4-4BCD-93E2-E3B085C9AB24}">
-                <p16:designElem xmlns:p16="http://schemas.microsoft.com/office/powerpoint/2015/main" val="1"/>
+                <p16:designElem xmlns:p16="http://schemas.microsoft.com/office/powerpoint/2015/main" xmlns="" val="1"/>
               </p:ext>
             </p:extLst>
           </p:nvPr>
@@ -10327,10 +10126,10 @@
           <p:cNvPr id="14" name="Freeform: Shape 13">
             <a:extLst>
               <a:ext uri="{FF2B5EF4-FFF2-40B4-BE49-F238E27FC236}">
-                <a16:creationId xmlns:a16="http://schemas.microsoft.com/office/drawing/2014/main" id="{4B9FAFB2-BEB5-4848-8018-BCAD99E2E1AA}"/>
+                <a16:creationId xmlns:a16="http://schemas.microsoft.com/office/drawing/2014/main" xmlns="" id="{4B9FAFB2-BEB5-4848-8018-BCAD99E2E1AA}"/>
               </a:ext>
               <a:ext uri="{C183D7F6-B498-43B3-948B-1728B52AA6E4}">
-                <adec:decorative xmlns:adec="http://schemas.microsoft.com/office/drawing/2017/decorative" val="1"/>
+                <adec:decorative xmlns:adec="http://schemas.microsoft.com/office/drawing/2017/decorative" xmlns="" val="1"/>
               </a:ext>
             </a:extLst>
           </p:cNvPr>
@@ -10340,7 +10139,7 @@
           <p:nvPr>
             <p:extLst>
               <p:ext uri="{386F3935-93C4-4BCD-93E2-E3B085C9AB24}">
-                <p16:designElem xmlns:p16="http://schemas.microsoft.com/office/powerpoint/2015/main" val="1"/>
+                <p16:designElem xmlns:p16="http://schemas.microsoft.com/office/powerpoint/2015/main" xmlns="" val="1"/>
               </p:ext>
             </p:extLst>
           </p:nvPr>
@@ -11598,7 +11397,7 @@
           <p:cNvPr id="2" name="Titel 1">
             <a:extLst>
               <a:ext uri="{FF2B5EF4-FFF2-40B4-BE49-F238E27FC236}">
-                <a16:creationId xmlns:a16="http://schemas.microsoft.com/office/drawing/2014/main" id="{8CC62660-02FF-462F-B543-CB30DC0B3BBC}"/>
+                <a16:creationId xmlns:a16="http://schemas.microsoft.com/office/drawing/2014/main" xmlns="" id="{8CC62660-02FF-462F-B543-CB30DC0B3BBC}"/>
               </a:ext>
             </a:extLst>
           </p:cNvPr>
@@ -11640,7 +11439,7 @@
           <p:cNvPr id="4" name="Inhaltsplatzhalter 3">
             <a:extLst>
               <a:ext uri="{FF2B5EF4-FFF2-40B4-BE49-F238E27FC236}">
-                <a16:creationId xmlns:a16="http://schemas.microsoft.com/office/drawing/2014/main" id="{4C2F7F0A-3D13-42B3-8298-C0233FF65A73}"/>
+                <a16:creationId xmlns:a16="http://schemas.microsoft.com/office/drawing/2014/main" xmlns="" id="{4C2F7F0A-3D13-42B3-8298-C0233FF65A73}"/>
               </a:ext>
             </a:extLst>
           </p:cNvPr>
@@ -11714,7 +11513,7 @@
           <p:cNvPr id="7" name="Grafik 7" descr="Ein Bild, das Text enthält.&#10;&#10;Beschreibung automatisch generiert.">
             <a:extLst>
               <a:ext uri="{FF2B5EF4-FFF2-40B4-BE49-F238E27FC236}">
-                <a16:creationId xmlns:a16="http://schemas.microsoft.com/office/drawing/2014/main" id="{CA5C7849-D66B-4620-B1AA-0776204655D8}"/>
+                <a16:creationId xmlns:a16="http://schemas.microsoft.com/office/drawing/2014/main" xmlns="" id="{CA5C7849-D66B-4620-B1AA-0776204655D8}"/>
               </a:ext>
             </a:extLst>
           </p:cNvPr>
@@ -11781,10 +11580,10 @@
           <p:cNvPr id="19" name="Rectangle 18">
             <a:extLst>
               <a:ext uri="{FF2B5EF4-FFF2-40B4-BE49-F238E27FC236}">
-                <a16:creationId xmlns:a16="http://schemas.microsoft.com/office/drawing/2014/main" id="{C232B152-3720-4D3B-97ED-45CE5483F16F}"/>
+                <a16:creationId xmlns:a16="http://schemas.microsoft.com/office/drawing/2014/main" xmlns="" id="{C232B152-3720-4D3B-97ED-45CE5483F16F}"/>
               </a:ext>
               <a:ext uri="{C183D7F6-B498-43B3-948B-1728B52AA6E4}">
-                <adec:decorative xmlns:adec="http://schemas.microsoft.com/office/drawing/2017/decorative" val="1"/>
+                <adec:decorative xmlns:adec="http://schemas.microsoft.com/office/drawing/2017/decorative" xmlns="" val="1"/>
               </a:ext>
             </a:extLst>
           </p:cNvPr>
@@ -11794,7 +11593,7 @@
           <p:nvPr>
             <p:extLst>
               <p:ext uri="{386F3935-93C4-4BCD-93E2-E3B085C9AB24}">
-                <p16:designElem xmlns:p16="http://schemas.microsoft.com/office/powerpoint/2015/main" val="1"/>
+                <p16:designElem xmlns:p16="http://schemas.microsoft.com/office/powerpoint/2015/main" xmlns="" val="1"/>
               </p:ext>
             </p:extLst>
           </p:nvPr>
@@ -11844,10 +11643,10 @@
           <p:cNvPr id="21" name="Freeform: Shape 20">
             <a:extLst>
               <a:ext uri="{FF2B5EF4-FFF2-40B4-BE49-F238E27FC236}">
-                <a16:creationId xmlns:a16="http://schemas.microsoft.com/office/drawing/2014/main" id="{11BAB570-FF10-4E96-8A3F-FA9804702B89}"/>
+                <a16:creationId xmlns:a16="http://schemas.microsoft.com/office/drawing/2014/main" xmlns="" id="{11BAB570-FF10-4E96-8A3F-FA9804702B89}"/>
               </a:ext>
               <a:ext uri="{C183D7F6-B498-43B3-948B-1728B52AA6E4}">
-                <adec:decorative xmlns:adec="http://schemas.microsoft.com/office/drawing/2017/decorative" val="1"/>
+                <adec:decorative xmlns:adec="http://schemas.microsoft.com/office/drawing/2017/decorative" xmlns="" val="1"/>
               </a:ext>
             </a:extLst>
           </p:cNvPr>
@@ -11857,7 +11656,7 @@
           <p:nvPr>
             <p:extLst>
               <p:ext uri="{386F3935-93C4-4BCD-93E2-E3B085C9AB24}">
-                <p16:designElem xmlns:p16="http://schemas.microsoft.com/office/powerpoint/2015/main" val="1"/>
+                <p16:designElem xmlns:p16="http://schemas.microsoft.com/office/powerpoint/2015/main" xmlns="" val="1"/>
               </p:ext>
             </p:extLst>
           </p:nvPr>
@@ -13067,10 +12866,10 @@
           <p:cNvPr id="23" name="Freeform: Shape 22">
             <a:extLst>
               <a:ext uri="{FF2B5EF4-FFF2-40B4-BE49-F238E27FC236}">
-                <a16:creationId xmlns:a16="http://schemas.microsoft.com/office/drawing/2014/main" id="{4B9FAFB2-BEB5-4848-8018-BCAD99E2E1AA}"/>
+                <a16:creationId xmlns:a16="http://schemas.microsoft.com/office/drawing/2014/main" xmlns="" id="{4B9FAFB2-BEB5-4848-8018-BCAD99E2E1AA}"/>
               </a:ext>
               <a:ext uri="{C183D7F6-B498-43B3-948B-1728B52AA6E4}">
-                <adec:decorative xmlns:adec="http://schemas.microsoft.com/office/drawing/2017/decorative" val="1"/>
+                <adec:decorative xmlns:adec="http://schemas.microsoft.com/office/drawing/2017/decorative" xmlns="" val="1"/>
               </a:ext>
             </a:extLst>
           </p:cNvPr>
@@ -13080,7 +12879,7 @@
           <p:nvPr>
             <p:extLst>
               <p:ext uri="{386F3935-93C4-4BCD-93E2-E3B085C9AB24}">
-                <p16:designElem xmlns:p16="http://schemas.microsoft.com/office/powerpoint/2015/main" val="1"/>
+                <p16:designElem xmlns:p16="http://schemas.microsoft.com/office/powerpoint/2015/main" xmlns="" val="1"/>
               </p:ext>
             </p:extLst>
           </p:nvPr>
@@ -14338,7 +14137,7 @@
           <p:cNvPr id="2" name="Titel 1">
             <a:extLst>
               <a:ext uri="{FF2B5EF4-FFF2-40B4-BE49-F238E27FC236}">
-                <a16:creationId xmlns:a16="http://schemas.microsoft.com/office/drawing/2014/main" id="{DDB80FB2-0739-4C3F-B9D3-A600143AA595}"/>
+                <a16:creationId xmlns:a16="http://schemas.microsoft.com/office/drawing/2014/main" xmlns="" id="{DDB80FB2-0739-4C3F-B9D3-A600143AA595}"/>
               </a:ext>
             </a:extLst>
           </p:cNvPr>
@@ -14380,7 +14179,7 @@
           <p:cNvPr id="3" name="Inhaltsplatzhalter 2">
             <a:extLst>
               <a:ext uri="{FF2B5EF4-FFF2-40B4-BE49-F238E27FC236}">
-                <a16:creationId xmlns:a16="http://schemas.microsoft.com/office/drawing/2014/main" id="{1F78A29B-4460-4BD0-A0DD-998AEE831ABC}"/>
+                <a16:creationId xmlns:a16="http://schemas.microsoft.com/office/drawing/2014/main" xmlns="" id="{1F78A29B-4460-4BD0-A0DD-998AEE831ABC}"/>
               </a:ext>
             </a:extLst>
           </p:cNvPr>
@@ -14433,7 +14232,7 @@
           <p:cNvPr id="5" name="Grafik 5" descr="Ein Bild, das Text enthält.&#10;&#10;Beschreibung automatisch generiert.">
             <a:extLst>
               <a:ext uri="{FF2B5EF4-FFF2-40B4-BE49-F238E27FC236}">
-                <a16:creationId xmlns:a16="http://schemas.microsoft.com/office/drawing/2014/main" id="{2FEE792A-8466-425C-8734-EA57033678AC}"/>
+                <a16:creationId xmlns:a16="http://schemas.microsoft.com/office/drawing/2014/main" xmlns="" id="{2FEE792A-8466-425C-8734-EA57033678AC}"/>
               </a:ext>
             </a:extLst>
           </p:cNvPr>
@@ -14503,10 +14302,10 @@
           <p:cNvPr id="17" name="Rectangle 16">
             <a:extLst>
               <a:ext uri="{FF2B5EF4-FFF2-40B4-BE49-F238E27FC236}">
-                <a16:creationId xmlns:a16="http://schemas.microsoft.com/office/drawing/2014/main" id="{C232B152-3720-4D3B-97ED-45CE5483F16F}"/>
+                <a16:creationId xmlns:a16="http://schemas.microsoft.com/office/drawing/2014/main" xmlns="" id="{C232B152-3720-4D3B-97ED-45CE5483F16F}"/>
               </a:ext>
               <a:ext uri="{C183D7F6-B498-43B3-948B-1728B52AA6E4}">
-                <adec:decorative xmlns:adec="http://schemas.microsoft.com/office/drawing/2017/decorative" val="1"/>
+                <adec:decorative xmlns:adec="http://schemas.microsoft.com/office/drawing/2017/decorative" xmlns="" val="1"/>
               </a:ext>
             </a:extLst>
           </p:cNvPr>
@@ -14516,7 +14315,7 @@
           <p:nvPr>
             <p:extLst>
               <p:ext uri="{386F3935-93C4-4BCD-93E2-E3B085C9AB24}">
-                <p16:designElem xmlns:p16="http://schemas.microsoft.com/office/powerpoint/2015/main" val="1"/>
+                <p16:designElem xmlns:p16="http://schemas.microsoft.com/office/powerpoint/2015/main" xmlns="" val="1"/>
               </p:ext>
             </p:extLst>
           </p:nvPr>
@@ -14566,10 +14365,10 @@
           <p:cNvPr id="19" name="Freeform: Shape 18">
             <a:extLst>
               <a:ext uri="{FF2B5EF4-FFF2-40B4-BE49-F238E27FC236}">
-                <a16:creationId xmlns:a16="http://schemas.microsoft.com/office/drawing/2014/main" id="{11BAB570-FF10-4E96-8A3F-FA9804702B89}"/>
+                <a16:creationId xmlns:a16="http://schemas.microsoft.com/office/drawing/2014/main" xmlns="" id="{11BAB570-FF10-4E96-8A3F-FA9804702B89}"/>
               </a:ext>
               <a:ext uri="{C183D7F6-B498-43B3-948B-1728B52AA6E4}">
-                <adec:decorative xmlns:adec="http://schemas.microsoft.com/office/drawing/2017/decorative" val="1"/>
+                <adec:decorative xmlns:adec="http://schemas.microsoft.com/office/drawing/2017/decorative" xmlns="" val="1"/>
               </a:ext>
             </a:extLst>
           </p:cNvPr>
@@ -14579,7 +14378,7 @@
           <p:nvPr>
             <p:extLst>
               <p:ext uri="{386F3935-93C4-4BCD-93E2-E3B085C9AB24}">
-                <p16:designElem xmlns:p16="http://schemas.microsoft.com/office/powerpoint/2015/main" val="1"/>
+                <p16:designElem xmlns:p16="http://schemas.microsoft.com/office/powerpoint/2015/main" xmlns="" val="1"/>
               </p:ext>
             </p:extLst>
           </p:nvPr>
@@ -15789,10 +15588,10 @@
           <p:cNvPr id="21" name="Freeform: Shape 20">
             <a:extLst>
               <a:ext uri="{FF2B5EF4-FFF2-40B4-BE49-F238E27FC236}">
-                <a16:creationId xmlns:a16="http://schemas.microsoft.com/office/drawing/2014/main" id="{4B9FAFB2-BEB5-4848-8018-BCAD99E2E1AA}"/>
+                <a16:creationId xmlns:a16="http://schemas.microsoft.com/office/drawing/2014/main" xmlns="" id="{4B9FAFB2-BEB5-4848-8018-BCAD99E2E1AA}"/>
               </a:ext>
               <a:ext uri="{C183D7F6-B498-43B3-948B-1728B52AA6E4}">
-                <adec:decorative xmlns:adec="http://schemas.microsoft.com/office/drawing/2017/decorative" val="1"/>
+                <adec:decorative xmlns:adec="http://schemas.microsoft.com/office/drawing/2017/decorative" xmlns="" val="1"/>
               </a:ext>
             </a:extLst>
           </p:cNvPr>
@@ -15802,7 +15601,7 @@
           <p:nvPr>
             <p:extLst>
               <p:ext uri="{386F3935-93C4-4BCD-93E2-E3B085C9AB24}">
-                <p16:designElem xmlns:p16="http://schemas.microsoft.com/office/powerpoint/2015/main" val="1"/>
+                <p16:designElem xmlns:p16="http://schemas.microsoft.com/office/powerpoint/2015/main" xmlns="" val="1"/>
               </p:ext>
             </p:extLst>
           </p:nvPr>
@@ -17060,7 +16859,7 @@
           <p:cNvPr id="2" name="Titel 1">
             <a:extLst>
               <a:ext uri="{FF2B5EF4-FFF2-40B4-BE49-F238E27FC236}">
-                <a16:creationId xmlns:a16="http://schemas.microsoft.com/office/drawing/2014/main" id="{61025BC2-B2A3-4ABD-8D33-F9C325065C5D}"/>
+                <a16:creationId xmlns:a16="http://schemas.microsoft.com/office/drawing/2014/main" xmlns="" id="{61025BC2-B2A3-4ABD-8D33-F9C325065C5D}"/>
               </a:ext>
             </a:extLst>
           </p:cNvPr>
@@ -17102,7 +16901,7 @@
           <p:cNvPr id="4" name="Inhaltsplatzhalter 3">
             <a:extLst>
               <a:ext uri="{FF2B5EF4-FFF2-40B4-BE49-F238E27FC236}">
-                <a16:creationId xmlns:a16="http://schemas.microsoft.com/office/drawing/2014/main" id="{CD75E634-C08D-4D4A-A69F-816BFA4A40B3}"/>
+                <a16:creationId xmlns:a16="http://schemas.microsoft.com/office/drawing/2014/main" xmlns="" id="{CD75E634-C08D-4D4A-A69F-816BFA4A40B3}"/>
               </a:ext>
             </a:extLst>
           </p:cNvPr>
@@ -17191,7 +16990,7 @@
           <p:cNvPr id="5" name="Grafik 5" descr="Ein Bild, das Text enthält.&#10;&#10;Beschreibung automatisch generiert.">
             <a:extLst>
               <a:ext uri="{FF2B5EF4-FFF2-40B4-BE49-F238E27FC236}">
-                <a16:creationId xmlns:a16="http://schemas.microsoft.com/office/drawing/2014/main" id="{6131718B-E139-4D38-85A8-FFCD3B9F39AD}"/>
+                <a16:creationId xmlns:a16="http://schemas.microsoft.com/office/drawing/2014/main" xmlns="" id="{6131718B-E139-4D38-85A8-FFCD3B9F39AD}"/>
               </a:ext>
             </a:extLst>
           </p:cNvPr>
@@ -17260,10 +17059,10 @@
           <p:cNvPr id="10" name="Rectangle 9">
             <a:extLst>
               <a:ext uri="{FF2B5EF4-FFF2-40B4-BE49-F238E27FC236}">
-                <a16:creationId xmlns:a16="http://schemas.microsoft.com/office/drawing/2014/main" id="{C232B152-3720-4D3B-97ED-45CE5483F16F}"/>
+                <a16:creationId xmlns:a16="http://schemas.microsoft.com/office/drawing/2014/main" xmlns="" id="{C232B152-3720-4D3B-97ED-45CE5483F16F}"/>
               </a:ext>
               <a:ext uri="{C183D7F6-B498-43B3-948B-1728B52AA6E4}">
-                <adec:decorative xmlns:adec="http://schemas.microsoft.com/office/drawing/2017/decorative" val="1"/>
+                <adec:decorative xmlns:adec="http://schemas.microsoft.com/office/drawing/2017/decorative" xmlns="" val="1"/>
               </a:ext>
             </a:extLst>
           </p:cNvPr>
@@ -17273,7 +17072,7 @@
           <p:nvPr>
             <p:extLst>
               <p:ext uri="{386F3935-93C4-4BCD-93E2-E3B085C9AB24}">
-                <p16:designElem xmlns:p16="http://schemas.microsoft.com/office/powerpoint/2015/main" val="1"/>
+                <p16:designElem xmlns:p16="http://schemas.microsoft.com/office/powerpoint/2015/main" xmlns="" val="1"/>
               </p:ext>
             </p:extLst>
           </p:nvPr>
@@ -17323,10 +17122,10 @@
           <p:cNvPr id="12" name="Freeform: Shape 11">
             <a:extLst>
               <a:ext uri="{FF2B5EF4-FFF2-40B4-BE49-F238E27FC236}">
-                <a16:creationId xmlns:a16="http://schemas.microsoft.com/office/drawing/2014/main" id="{11BAB570-FF10-4E96-8A3F-FA9804702B89}"/>
+                <a16:creationId xmlns:a16="http://schemas.microsoft.com/office/drawing/2014/main" xmlns="" id="{11BAB570-FF10-4E96-8A3F-FA9804702B89}"/>
               </a:ext>
               <a:ext uri="{C183D7F6-B498-43B3-948B-1728B52AA6E4}">
-                <adec:decorative xmlns:adec="http://schemas.microsoft.com/office/drawing/2017/decorative" val="1"/>
+                <adec:decorative xmlns:adec="http://schemas.microsoft.com/office/drawing/2017/decorative" xmlns="" val="1"/>
               </a:ext>
             </a:extLst>
           </p:cNvPr>
@@ -17336,7 +17135,7 @@
           <p:nvPr>
             <p:extLst>
               <p:ext uri="{386F3935-93C4-4BCD-93E2-E3B085C9AB24}">
-                <p16:designElem xmlns:p16="http://schemas.microsoft.com/office/powerpoint/2015/main" val="1"/>
+                <p16:designElem xmlns:p16="http://schemas.microsoft.com/office/powerpoint/2015/main" xmlns="" val="1"/>
               </p:ext>
             </p:extLst>
           </p:nvPr>
@@ -18546,10 +18345,10 @@
           <p:cNvPr id="14" name="Freeform: Shape 13">
             <a:extLst>
               <a:ext uri="{FF2B5EF4-FFF2-40B4-BE49-F238E27FC236}">
-                <a16:creationId xmlns:a16="http://schemas.microsoft.com/office/drawing/2014/main" id="{4B9FAFB2-BEB5-4848-8018-BCAD99E2E1AA}"/>
+                <a16:creationId xmlns:a16="http://schemas.microsoft.com/office/drawing/2014/main" xmlns="" id="{4B9FAFB2-BEB5-4848-8018-BCAD99E2E1AA}"/>
               </a:ext>
               <a:ext uri="{C183D7F6-B498-43B3-948B-1728B52AA6E4}">
-                <adec:decorative xmlns:adec="http://schemas.microsoft.com/office/drawing/2017/decorative" val="1"/>
+                <adec:decorative xmlns:adec="http://schemas.microsoft.com/office/drawing/2017/decorative" xmlns="" val="1"/>
               </a:ext>
             </a:extLst>
           </p:cNvPr>
@@ -18559,7 +18358,7 @@
           <p:nvPr>
             <p:extLst>
               <p:ext uri="{386F3935-93C4-4BCD-93E2-E3B085C9AB24}">
-                <p16:designElem xmlns:p16="http://schemas.microsoft.com/office/powerpoint/2015/main" val="1"/>
+                <p16:designElem xmlns:p16="http://schemas.microsoft.com/office/powerpoint/2015/main" xmlns="" val="1"/>
               </p:ext>
             </p:extLst>
           </p:nvPr>
@@ -19817,7 +19616,7 @@
           <p:cNvPr id="2" name="Titel 1">
             <a:extLst>
               <a:ext uri="{FF2B5EF4-FFF2-40B4-BE49-F238E27FC236}">
-                <a16:creationId xmlns:a16="http://schemas.microsoft.com/office/drawing/2014/main" id="{A6E82126-A6DB-41F3-B5DC-AE3FC742138B}"/>
+                <a16:creationId xmlns:a16="http://schemas.microsoft.com/office/drawing/2014/main" xmlns="" id="{A6E82126-A6DB-41F3-B5DC-AE3FC742138B}"/>
               </a:ext>
             </a:extLst>
           </p:cNvPr>
@@ -19859,7 +19658,7 @@
           <p:cNvPr id="3" name="Inhaltsplatzhalter 2">
             <a:extLst>
               <a:ext uri="{FF2B5EF4-FFF2-40B4-BE49-F238E27FC236}">
-                <a16:creationId xmlns:a16="http://schemas.microsoft.com/office/drawing/2014/main" id="{98906091-1AE1-4E94-A1D0-6E8ED463ADAE}"/>
+                <a16:creationId xmlns:a16="http://schemas.microsoft.com/office/drawing/2014/main" xmlns="" id="{98906091-1AE1-4E94-A1D0-6E8ED463ADAE}"/>
               </a:ext>
             </a:extLst>
           </p:cNvPr>
@@ -19924,7 +19723,7 @@
           <p:cNvPr id="5" name="Grafik 5" descr="Ein Bild, das Text enthält.&#10;&#10;Beschreibung automatisch generiert.">
             <a:extLst>
               <a:ext uri="{FF2B5EF4-FFF2-40B4-BE49-F238E27FC236}">
-                <a16:creationId xmlns:a16="http://schemas.microsoft.com/office/drawing/2014/main" id="{8F19B24D-A07D-44D6-8272-1EAB28AB78EC}"/>
+                <a16:creationId xmlns:a16="http://schemas.microsoft.com/office/drawing/2014/main" xmlns="" id="{8F19B24D-A07D-44D6-8272-1EAB28AB78EC}"/>
               </a:ext>
             </a:extLst>
           </p:cNvPr>
@@ -19986,7 +19785,7 @@
           <p:cNvPr id="2" name="Titel 1">
             <a:extLst>
               <a:ext uri="{FF2B5EF4-FFF2-40B4-BE49-F238E27FC236}">
-                <a16:creationId xmlns:a16="http://schemas.microsoft.com/office/drawing/2014/main" id="{14E46855-3798-40B2-90F0-D9CB38D62571}"/>
+                <a16:creationId xmlns:a16="http://schemas.microsoft.com/office/drawing/2014/main" xmlns="" id="{14E46855-3798-40B2-90F0-D9CB38D62571}"/>
               </a:ext>
             </a:extLst>
           </p:cNvPr>
@@ -20017,7 +19816,7 @@
           <p:cNvPr id="5" name="Grafik 5" descr="Ein Bild, das Text enthält.&#10;&#10;Beschreibung automatisch generiert.">
             <a:extLst>
               <a:ext uri="{FF2B5EF4-FFF2-40B4-BE49-F238E27FC236}">
-                <a16:creationId xmlns:a16="http://schemas.microsoft.com/office/drawing/2014/main" id="{EA6565F6-4849-47F3-9E53-1FFC2726FA71}"/>
+                <a16:creationId xmlns:a16="http://schemas.microsoft.com/office/drawing/2014/main" xmlns="" id="{EA6565F6-4849-47F3-9E53-1FFC2726FA71}"/>
               </a:ext>
             </a:extLst>
           </p:cNvPr>
@@ -20046,7 +19845,7 @@
           <p:cNvPr id="7" name="Inhaltsplatzhalter 3">
             <a:extLst>
               <a:ext uri="{FF2B5EF4-FFF2-40B4-BE49-F238E27FC236}">
-                <a16:creationId xmlns:a16="http://schemas.microsoft.com/office/drawing/2014/main" id="{6EC8EFC3-5FC0-417B-8204-21B06C7FC2DF}"/>
+                <a16:creationId xmlns:a16="http://schemas.microsoft.com/office/drawing/2014/main" xmlns="" id="{6EC8EFC3-5FC0-417B-8204-21B06C7FC2DF}"/>
               </a:ext>
             </a:extLst>
           </p:cNvPr>
@@ -20110,10 +19909,10 @@
           <p:cNvPr id="10" name="Down Arrow 7">
             <a:extLst>
               <a:ext uri="{FF2B5EF4-FFF2-40B4-BE49-F238E27FC236}">
-                <a16:creationId xmlns:a16="http://schemas.microsoft.com/office/drawing/2014/main" id="{73DE2CFE-42F2-48F0-8706-5264E012B10C}"/>
+                <a16:creationId xmlns:a16="http://schemas.microsoft.com/office/drawing/2014/main" xmlns="" id="{73DE2CFE-42F2-48F0-8706-5264E012B10C}"/>
               </a:ext>
               <a:ext uri="{C183D7F6-B498-43B3-948B-1728B52AA6E4}">
-                <adec:decorative xmlns:adec="http://schemas.microsoft.com/office/drawing/2017/decorative" val="1"/>
+                <adec:decorative xmlns:adec="http://schemas.microsoft.com/office/drawing/2017/decorative" xmlns="" val="1"/>
               </a:ext>
             </a:extLst>
           </p:cNvPr>
@@ -20123,7 +19922,7 @@
           <p:nvPr>
             <p:extLst>
               <p:ext uri="{386F3935-93C4-4BCD-93E2-E3B085C9AB24}">
-                <p16:designElem xmlns:p16="http://schemas.microsoft.com/office/powerpoint/2015/main" val="1"/>
+                <p16:designElem xmlns:p16="http://schemas.microsoft.com/office/powerpoint/2015/main" xmlns="" val="1"/>
               </p:ext>
             </p:extLst>
           </p:nvPr>
@@ -20205,7 +20004,7 @@
           <p:cNvPr id="2" name="Titel 1">
             <a:extLst>
               <a:ext uri="{FF2B5EF4-FFF2-40B4-BE49-F238E27FC236}">
-                <a16:creationId xmlns:a16="http://schemas.microsoft.com/office/drawing/2014/main" id="{8C3AE72A-4CD6-4568-AC70-C9A8AD98AC41}"/>
+                <a16:creationId xmlns:a16="http://schemas.microsoft.com/office/drawing/2014/main" xmlns="" id="{8C3AE72A-4CD6-4568-AC70-C9A8AD98AC41}"/>
               </a:ext>
             </a:extLst>
           </p:cNvPr>
@@ -20247,7 +20046,7 @@
           <p:cNvPr id="3" name="Inhaltsplatzhalter 2">
             <a:extLst>
               <a:ext uri="{FF2B5EF4-FFF2-40B4-BE49-F238E27FC236}">
-                <a16:creationId xmlns:a16="http://schemas.microsoft.com/office/drawing/2014/main" id="{7E66CA6C-AE26-4C2E-8C6B-07E23BC8C0B0}"/>
+                <a16:creationId xmlns:a16="http://schemas.microsoft.com/office/drawing/2014/main" xmlns="" id="{7E66CA6C-AE26-4C2E-8C6B-07E23BC8C0B0}"/>
               </a:ext>
             </a:extLst>
           </p:cNvPr>
@@ -20304,7 +20103,7 @@
           <p:cNvPr id="5" name="Grafik 5" descr="Ein Bild, das Text enthält.&#10;&#10;Beschreibung automatisch generiert.">
             <a:extLst>
               <a:ext uri="{FF2B5EF4-FFF2-40B4-BE49-F238E27FC236}">
-                <a16:creationId xmlns:a16="http://schemas.microsoft.com/office/drawing/2014/main" id="{506F8FF4-6A9A-420B-9A9C-2561798FAC7B}"/>
+                <a16:creationId xmlns:a16="http://schemas.microsoft.com/office/drawing/2014/main" xmlns="" id="{506F8FF4-6A9A-420B-9A9C-2561798FAC7B}"/>
               </a:ext>
             </a:extLst>
           </p:cNvPr>
